--- a/mlops-pipeline-design.pptx
+++ b/mlops-pipeline-design.pptx
@@ -105,6 +105,11 @@
       </a:defRPr>
     </a:lvl9pPr>
   </p:defaultTextStyle>
+  <p:extLst>
+    <p:ext uri="{EFAFB233-063F-42B5-8137-9DF3F51BA10A}">
+      <p15:sldGuideLst xmlns:p15="http://schemas.microsoft.com/office/powerpoint/2012/main"/>
+    </p:ext>
+  </p:extLst>
 </p:presentation>
 </file>
 
@@ -255,7 +260,7 @@
           <a:p>
             <a:fld id="{9CB07E65-2247-B44A-82CC-CF09A9E7A4E6}" type="datetimeFigureOut">
               <a:rPr lang="en-US" smtClean="0"/>
-              <a:t>8/18/20</a:t>
+              <a:t>8/28/20</a:t>
             </a:fld>
             <a:endParaRPr lang="en-US"/>
           </a:p>
@@ -453,7 +458,7 @@
           <a:p>
             <a:fld id="{9CB07E65-2247-B44A-82CC-CF09A9E7A4E6}" type="datetimeFigureOut">
               <a:rPr lang="en-US" smtClean="0"/>
-              <a:t>8/18/20</a:t>
+              <a:t>8/28/20</a:t>
             </a:fld>
             <a:endParaRPr lang="en-US"/>
           </a:p>
@@ -661,7 +666,7 @@
           <a:p>
             <a:fld id="{9CB07E65-2247-B44A-82CC-CF09A9E7A4E6}" type="datetimeFigureOut">
               <a:rPr lang="en-US" smtClean="0"/>
-              <a:t>8/18/20</a:t>
+              <a:t>8/28/20</a:t>
             </a:fld>
             <a:endParaRPr lang="en-US"/>
           </a:p>
@@ -859,7 +864,7 @@
           <a:p>
             <a:fld id="{9CB07E65-2247-B44A-82CC-CF09A9E7A4E6}" type="datetimeFigureOut">
               <a:rPr lang="en-US" smtClean="0"/>
-              <a:t>8/18/20</a:t>
+              <a:t>8/28/20</a:t>
             </a:fld>
             <a:endParaRPr lang="en-US"/>
           </a:p>
@@ -1134,7 +1139,7 @@
           <a:p>
             <a:fld id="{9CB07E65-2247-B44A-82CC-CF09A9E7A4E6}" type="datetimeFigureOut">
               <a:rPr lang="en-US" smtClean="0"/>
-              <a:t>8/18/20</a:t>
+              <a:t>8/28/20</a:t>
             </a:fld>
             <a:endParaRPr lang="en-US"/>
           </a:p>
@@ -1399,7 +1404,7 @@
           <a:p>
             <a:fld id="{9CB07E65-2247-B44A-82CC-CF09A9E7A4E6}" type="datetimeFigureOut">
               <a:rPr lang="en-US" smtClean="0"/>
-              <a:t>8/18/20</a:t>
+              <a:t>8/28/20</a:t>
             </a:fld>
             <a:endParaRPr lang="en-US"/>
           </a:p>
@@ -1811,7 +1816,7 @@
           <a:p>
             <a:fld id="{9CB07E65-2247-B44A-82CC-CF09A9E7A4E6}" type="datetimeFigureOut">
               <a:rPr lang="en-US" smtClean="0"/>
-              <a:t>8/18/20</a:t>
+              <a:t>8/28/20</a:t>
             </a:fld>
             <a:endParaRPr lang="en-US"/>
           </a:p>
@@ -1952,7 +1957,7 @@
           <a:p>
             <a:fld id="{9CB07E65-2247-B44A-82CC-CF09A9E7A4E6}" type="datetimeFigureOut">
               <a:rPr lang="en-US" smtClean="0"/>
-              <a:t>8/18/20</a:t>
+              <a:t>8/28/20</a:t>
             </a:fld>
             <a:endParaRPr lang="en-US"/>
           </a:p>
@@ -2065,7 +2070,7 @@
           <a:p>
             <a:fld id="{9CB07E65-2247-B44A-82CC-CF09A9E7A4E6}" type="datetimeFigureOut">
               <a:rPr lang="en-US" smtClean="0"/>
-              <a:t>8/18/20</a:t>
+              <a:t>8/28/20</a:t>
             </a:fld>
             <a:endParaRPr lang="en-US"/>
           </a:p>
@@ -2376,7 +2381,7 @@
           <a:p>
             <a:fld id="{9CB07E65-2247-B44A-82CC-CF09A9E7A4E6}" type="datetimeFigureOut">
               <a:rPr lang="en-US" smtClean="0"/>
-              <a:t>8/18/20</a:t>
+              <a:t>8/28/20</a:t>
             </a:fld>
             <a:endParaRPr lang="en-US"/>
           </a:p>
@@ -2664,7 +2669,7 @@
           <a:p>
             <a:fld id="{9CB07E65-2247-B44A-82CC-CF09A9E7A4E6}" type="datetimeFigureOut">
               <a:rPr lang="en-US" smtClean="0"/>
-              <a:t>8/18/20</a:t>
+              <a:t>8/28/20</a:t>
             </a:fld>
             <a:endParaRPr lang="en-US"/>
           </a:p>
@@ -2905,7 +2910,7 @@
           <a:p>
             <a:fld id="{9CB07E65-2247-B44A-82CC-CF09A9E7A4E6}" type="datetimeFigureOut">
               <a:rPr lang="en-US" smtClean="0"/>
-              <a:t>8/18/20</a:t>
+              <a:t>8/28/20</a:t>
             </a:fld>
             <a:endParaRPr lang="en-US"/>
           </a:p>
@@ -3427,7 +3432,7 @@
         <p:spPr>
           <a:xfrm>
             <a:off x="584200" y="406400"/>
-            <a:ext cx="10515600" cy="5078313"/>
+            <a:ext cx="10515600" cy="5355312"/>
           </a:xfrm>
           <a:prstGeom prst="rect">
             <a:avLst/>
@@ -3457,15 +3462,7 @@
           <a:p>
             <a:r>
               <a:rPr lang="en-US" dirty="0"/>
-              <a:t>Governance:  Service Catalog (CI/</a:t>
-            </a:r>
-            <a:r>
-              <a:rPr lang="en-US"/>
-              <a:t>CD CloudFormation </a:t>
-            </a:r>
-            <a:r>
-              <a:rPr lang="en-US" dirty="0"/>
-              <a:t>template management and resource management)</a:t>
+              <a:t>Governance:  Service Catalog (CI/CD CloudFormation template management and resource management)</a:t>
             </a:r>
           </a:p>
           <a:p>
@@ -3538,6 +3535,23 @@
             <a:r>
               <a:rPr lang="en-US" dirty="0"/>
               <a:t>Data Collection and Continuous monitoring (SageMaker monitoring), Model Retraining</a:t>
+            </a:r>
+          </a:p>
+          <a:p>
+            <a:pPr marL="342900" indent="-342900">
+              <a:buAutoNum type="arabicPeriod"/>
+            </a:pPr>
+            <a:r>
+              <a:rPr lang="en-US" dirty="0"/>
+              <a:t>Service Catalog  (Studio domain, </a:t>
+            </a:r>
+            <a:r>
+              <a:rPr lang="en-US"/>
+              <a:t>User Profiles</a:t>
+            </a:r>
+            <a:r>
+              <a:rPr lang="en-US" dirty="0"/>
+              <a:t>, Pipeline)</a:t>
             </a:r>
           </a:p>
           <a:p>
